--- a/Batch-10/Proff Lecture Material/LET’S TAKE A SHORT BREAK.pptx
+++ b/Batch-10/Proff Lecture Material/LET’S TAKE A SHORT BREAK.pptx
@@ -304,7 +304,7 @@
             <a:fld id="{D97AE862-9F6A-49E1-B2F5-8E7311A94B8F}" type="datetimeFigureOut">
               <a:rPr lang="en-US" smtClean="0"/>
               <a:pPr/>
-              <a:t>2/7/2022</a:t>
+              <a:t>1/26/2023</a:t>
             </a:fld>
             <a:endParaRPr lang="en-US"/>
           </a:p>
@@ -469,7 +469,7 @@
             <a:fld id="{D97AE862-9F6A-49E1-B2F5-8E7311A94B8F}" type="datetimeFigureOut">
               <a:rPr lang="en-US" smtClean="0"/>
               <a:pPr/>
-              <a:t>2/7/2022</a:t>
+              <a:t>1/26/2023</a:t>
             </a:fld>
             <a:endParaRPr lang="en-US"/>
           </a:p>
@@ -644,7 +644,7 @@
             <a:fld id="{D97AE862-9F6A-49E1-B2F5-8E7311A94B8F}" type="datetimeFigureOut">
               <a:rPr lang="en-US" smtClean="0"/>
               <a:pPr/>
-              <a:t>2/7/2022</a:t>
+              <a:t>1/26/2023</a:t>
             </a:fld>
             <a:endParaRPr lang="en-US"/>
           </a:p>
@@ -809,7 +809,7 @@
             <a:fld id="{D97AE862-9F6A-49E1-B2F5-8E7311A94B8F}" type="datetimeFigureOut">
               <a:rPr lang="en-US" smtClean="0"/>
               <a:pPr/>
-              <a:t>2/7/2022</a:t>
+              <a:t>1/26/2023</a:t>
             </a:fld>
             <a:endParaRPr lang="en-US"/>
           </a:p>
@@ -1051,7 +1051,7 @@
             <a:fld id="{D97AE862-9F6A-49E1-B2F5-8E7311A94B8F}" type="datetimeFigureOut">
               <a:rPr lang="en-US" smtClean="0"/>
               <a:pPr/>
-              <a:t>2/7/2022</a:t>
+              <a:t>1/26/2023</a:t>
             </a:fld>
             <a:endParaRPr lang="en-US"/>
           </a:p>
@@ -1333,7 +1333,7 @@
             <a:fld id="{D97AE862-9F6A-49E1-B2F5-8E7311A94B8F}" type="datetimeFigureOut">
               <a:rPr lang="en-US" smtClean="0"/>
               <a:pPr/>
-              <a:t>2/7/2022</a:t>
+              <a:t>1/26/2023</a:t>
             </a:fld>
             <a:endParaRPr lang="en-US"/>
           </a:p>
@@ -1749,7 +1749,7 @@
             <a:fld id="{D97AE862-9F6A-49E1-B2F5-8E7311A94B8F}" type="datetimeFigureOut">
               <a:rPr lang="en-US" smtClean="0"/>
               <a:pPr/>
-              <a:t>2/7/2022</a:t>
+              <a:t>1/26/2023</a:t>
             </a:fld>
             <a:endParaRPr lang="en-US"/>
           </a:p>
@@ -1863,7 +1863,7 @@
             <a:fld id="{D97AE862-9F6A-49E1-B2F5-8E7311A94B8F}" type="datetimeFigureOut">
               <a:rPr lang="en-US" smtClean="0"/>
               <a:pPr/>
-              <a:t>2/7/2022</a:t>
+              <a:t>1/26/2023</a:t>
             </a:fld>
             <a:endParaRPr lang="en-US"/>
           </a:p>
@@ -1955,7 +1955,7 @@
             <a:fld id="{D97AE862-9F6A-49E1-B2F5-8E7311A94B8F}" type="datetimeFigureOut">
               <a:rPr lang="en-US" smtClean="0"/>
               <a:pPr/>
-              <a:t>2/7/2022</a:t>
+              <a:t>1/26/2023</a:t>
             </a:fld>
             <a:endParaRPr lang="en-US"/>
           </a:p>
@@ -2227,7 +2227,7 @@
             <a:fld id="{D97AE862-9F6A-49E1-B2F5-8E7311A94B8F}" type="datetimeFigureOut">
               <a:rPr lang="en-US" smtClean="0"/>
               <a:pPr/>
-              <a:t>2/7/2022</a:t>
+              <a:t>1/26/2023</a:t>
             </a:fld>
             <a:endParaRPr lang="en-US"/>
           </a:p>
@@ -2476,7 +2476,7 @@
             <a:fld id="{D97AE862-9F6A-49E1-B2F5-8E7311A94B8F}" type="datetimeFigureOut">
               <a:rPr lang="en-US" smtClean="0"/>
               <a:pPr/>
-              <a:t>2/7/2022</a:t>
+              <a:t>1/26/2023</a:t>
             </a:fld>
             <a:endParaRPr lang="en-US"/>
           </a:p>
@@ -2684,7 +2684,7 @@
             <a:fld id="{D97AE862-9F6A-49E1-B2F5-8E7311A94B8F}" type="datetimeFigureOut">
               <a:rPr lang="en-US" smtClean="0"/>
               <a:pPr/>
-              <a:t>2/7/2022</a:t>
+              <a:t>1/26/2023</a:t>
             </a:fld>
             <a:endParaRPr lang="en-US"/>
           </a:p>
@@ -3138,7 +3138,7 @@
         </p:blipFill>
         <p:spPr bwMode="auto">
           <a:xfrm>
-            <a:off x="3124200" y="1011237"/>
+            <a:off x="3286919" y="1250156"/>
             <a:ext cx="2570162" cy="2570163"/>
           </a:xfrm>
           <a:prstGeom prst="rect">
@@ -3156,7 +3156,7 @@
         <p:spPr>
           <a:xfrm>
             <a:off x="2209800" y="304800"/>
-            <a:ext cx="5219442" cy="523220"/>
+            <a:ext cx="5219441" cy="830997"/>
           </a:xfrm>
           <a:prstGeom prst="rect">
             <a:avLst/>
@@ -3168,6 +3168,18 @@
           </a:bodyPr>
           <a:lstStyle/>
           <a:p>
+            <a:pPr algn="ctr"/>
+            <a:r>
+              <a:rPr lang="en-US" sz="2000" b="1" dirty="0">
+                <a:solidFill>
+                  <a:schemeClr val="accent2"/>
+                </a:solidFill>
+              </a:rPr>
+              <a:t>TNGS Learning Solutions </a:t>
+            </a:r>
+            <a:br>
+              <a:rPr lang="en-US" sz="2800" b="1" dirty="0"/>
+            </a:br>
             <a:r>
               <a:rPr lang="en-US" sz="2800" b="1" dirty="0"/>
               <a:t>AWS SOLUTION ARCHITECT CLASS</a:t>
@@ -3247,7 +3259,7 @@
         </p:blipFill>
         <p:spPr bwMode="auto">
           <a:xfrm>
-            <a:off x="3124200" y="533400"/>
+            <a:off x="3352800" y="2286000"/>
             <a:ext cx="2570162" cy="2570163"/>
           </a:xfrm>
           <a:prstGeom prst="rect">
@@ -3258,14 +3270,20 @@
       </p:pic>
       <p:sp>
         <p:nvSpPr>
-          <p:cNvPr id="5" name="Rectangle 4"/>
+          <p:cNvPr id="2" name="Rectangle 1">
+            <a:extLst>
+              <a:ext uri="{FF2B5EF4-FFF2-40B4-BE49-F238E27FC236}">
+                <a16:creationId xmlns:a16="http://schemas.microsoft.com/office/drawing/2014/main" id="{233ADEA5-77A1-5B78-6F02-C2416645D7AE}"/>
+              </a:ext>
+            </a:extLst>
+          </p:cNvPr>
           <p:cNvSpPr/>
           <p:nvPr/>
         </p:nvSpPr>
         <p:spPr>
           <a:xfrm>
-            <a:off x="1905000" y="3883212"/>
-            <a:ext cx="5706755" cy="523220"/>
+            <a:off x="2124841" y="304800"/>
+            <a:ext cx="5389360" cy="1261884"/>
           </a:xfrm>
           <a:prstGeom prst="rect">
             <a:avLst/>
@@ -3277,9 +3295,28 @@
           </a:bodyPr>
           <a:lstStyle/>
           <a:p>
-            <a:r>
+            <a:pPr algn="ctr"/>
+            <a:r>
+              <a:rPr lang="en-US" sz="2000" b="1" dirty="0">
+                <a:solidFill>
+                  <a:schemeClr val="accent2"/>
+                </a:solidFill>
+              </a:rPr>
+              <a:t>TNGS Learning Solutions </a:t>
+            </a:r>
+          </a:p>
+          <a:p>
+            <a:pPr algn="ctr"/>
+            <a:br>
               <a:rPr lang="en-US" sz="2800" b="1" dirty="0"/>
-              <a:t>TNGS LS AWS SOLUTIONS ARCHITECT</a:t>
+            </a:br>
+            <a:r>
+              <a:rPr lang="en-US" sz="2800" b="1"/>
+              <a:t>AWS SOLUTIONS </a:t>
+            </a:r>
+            <a:r>
+              <a:rPr lang="en-US" sz="2800" b="1" dirty="0"/>
+              <a:t>ARCHITECT CLASS</a:t>
             </a:r>
           </a:p>
         </p:txBody>
